--- a/docs/Mid_proj.pptx
+++ b/docs/Mid_proj.pptx
@@ -12,9 +12,9 @@
     <p:sldId id="258" r:id="rId3"/>
     <p:sldId id="257" r:id="rId4"/>
     <p:sldId id="259" r:id="rId5"/>
-    <p:sldId id="261" r:id="rId6"/>
-    <p:sldId id="275" r:id="rId7"/>
-    <p:sldId id="274" r:id="rId8"/>
+    <p:sldId id="275" r:id="rId6"/>
+    <p:sldId id="274" r:id="rId7"/>
+    <p:sldId id="261" r:id="rId8"/>
     <p:sldId id="277" r:id="rId9"/>
     <p:sldId id="276" r:id="rId10"/>
   </p:sldIdLst>
@@ -115,6 +115,11 @@
       </a:defRPr>
     </a:lvl9pPr>
   </p:defaultTextStyle>
+  <p:extLst>
+    <p:ext uri="{EFAFB233-063F-42B5-8137-9DF3F51BA10A}">
+      <p15:sldGuideLst xmlns:p15="http://schemas.microsoft.com/office/powerpoint/2012/main"/>
+    </p:ext>
+  </p:extLst>
 </p:presentation>
 </file>
 
@@ -888,110 +893,6 @@
   <p:cSld>
     <p:spTree>
       <p:nvGrpSpPr>
-        <p:cNvPr id="1" name="Shape 120"/>
-        <p:cNvGrpSpPr/>
-        <p:nvPr/>
-      </p:nvGrpSpPr>
-      <p:grpSpPr>
-        <a:xfrm>
-          <a:off x="0" y="0"/>
-          <a:ext cx="0" cy="0"/>
-          <a:chOff x="0" y="0"/>
-          <a:chExt cx="0" cy="0"/>
-        </a:xfrm>
-      </p:grpSpPr>
-      <p:sp>
-        <p:nvSpPr>
-          <p:cNvPr id="121" name="Google Shape;121;p:notes"/>
-          <p:cNvSpPr>
-            <a:spLocks noGrp="1" noRot="1" noChangeAspect="1"/>
-          </p:cNvSpPr>
-          <p:nvPr>
-            <p:ph type="sldImg" idx="2"/>
-          </p:nvPr>
-        </p:nvSpPr>
-        <p:spPr>
-          <a:xfrm>
-            <a:off x="381000" y="685800"/>
-            <a:ext cx="6096000" cy="3429000"/>
-          </a:xfrm>
-          <a:custGeom>
-            <a:avLst/>
-            <a:gdLst/>
-            <a:ahLst/>
-            <a:cxnLst/>
-            <a:rect l="l" t="t" r="r" b="b"/>
-            <a:pathLst>
-              <a:path w="120000" h="120000" extrusionOk="0">
-                <a:moveTo>
-                  <a:pt x="0" y="0"/>
-                </a:moveTo>
-                <a:lnTo>
-                  <a:pt x="120000" y="0"/>
-                </a:lnTo>
-                <a:lnTo>
-                  <a:pt x="120000" y="120000"/>
-                </a:lnTo>
-                <a:lnTo>
-                  <a:pt x="0" y="120000"/>
-                </a:lnTo>
-                <a:close/>
-              </a:path>
-            </a:pathLst>
-          </a:custGeom>
-        </p:spPr>
-      </p:sp>
-      <p:sp>
-        <p:nvSpPr>
-          <p:cNvPr id="122" name="Google Shape;122;p:notes"/>
-          <p:cNvSpPr txBox="1">
-            <a:spLocks noGrp="1"/>
-          </p:cNvSpPr>
-          <p:nvPr>
-            <p:ph type="body" idx="1"/>
-          </p:nvPr>
-        </p:nvSpPr>
-        <p:spPr>
-          <a:xfrm>
-            <a:off x="685800" y="4343400"/>
-            <a:ext cx="5486400" cy="4114800"/>
-          </a:xfrm>
-          <a:prstGeom prst="rect">
-            <a:avLst/>
-          </a:prstGeom>
-        </p:spPr>
-        <p:txBody>
-          <a:bodyPr spcFirstLastPara="1" wrap="square" lIns="91425" tIns="91425" rIns="91425" bIns="91425" anchor="t" anchorCtr="0">
-            <a:noAutofit/>
-          </a:bodyPr>
-          <a:lstStyle/>
-          <a:p>
-            <a:pPr marL="0" lvl="0" indent="0" algn="l" rtl="0">
-              <a:spcBef>
-                <a:spcPts val="0"/>
-              </a:spcBef>
-              <a:spcAft>
-                <a:spcPts val="0"/>
-              </a:spcAft>
-              <a:buNone/>
-            </a:pPr>
-            <a:endParaRPr/>
-          </a:p>
-        </p:txBody>
-      </p:sp>
-    </p:spTree>
-  </p:cSld>
-  <p:clrMapOvr>
-    <a:masterClrMapping/>
-  </p:clrMapOvr>
-</p:notes>
-</file>
-
-<file path=ppt/notesSlides/notesSlide6.xml><?xml version="1.0" encoding="utf-8"?>
-<p:notes xmlns:a="http://schemas.openxmlformats.org/drawingml/2006/main" xmlns:r="http://schemas.openxmlformats.org/officeDocument/2006/relationships" xmlns:p="http://schemas.openxmlformats.org/presentationml/2006/main" showMasterSp="0" showMasterPhAnim="0">
-  <p:cSld>
-    <p:spTree>
-      <p:nvGrpSpPr>
         <p:cNvPr id="1" name="Shape 166"/>
         <p:cNvGrpSpPr/>
         <p:nvPr/>
@@ -1096,7 +997,7 @@
 </p:notes>
 </file>
 
-<file path=ppt/notesSlides/notesSlide7.xml><?xml version="1.0" encoding="utf-8"?>
+<file path=ppt/notesSlides/notesSlide6.xml><?xml version="1.0" encoding="utf-8"?>
 <p:notes xmlns:a="http://schemas.openxmlformats.org/drawingml/2006/main" xmlns:r="http://schemas.openxmlformats.org/officeDocument/2006/relationships" xmlns:p="http://schemas.openxmlformats.org/presentationml/2006/main" showMasterSp="0" showMasterPhAnim="0">
   <p:cSld>
     <p:spTree>
@@ -1157,6 +1058,110 @@
       <p:sp>
         <p:nvSpPr>
           <p:cNvPr id="320" name="Google Shape;320;g35ed75ccf_022:notes"/>
+          <p:cNvSpPr txBox="1">
+            <a:spLocks noGrp="1"/>
+          </p:cNvSpPr>
+          <p:nvPr>
+            <p:ph type="body" idx="1"/>
+          </p:nvPr>
+        </p:nvSpPr>
+        <p:spPr>
+          <a:xfrm>
+            <a:off x="685800" y="4343400"/>
+            <a:ext cx="5486400" cy="4114800"/>
+          </a:xfrm>
+          <a:prstGeom prst="rect">
+            <a:avLst/>
+          </a:prstGeom>
+        </p:spPr>
+        <p:txBody>
+          <a:bodyPr spcFirstLastPara="1" wrap="square" lIns="91425" tIns="91425" rIns="91425" bIns="91425" anchor="t" anchorCtr="0">
+            <a:noAutofit/>
+          </a:bodyPr>
+          <a:lstStyle/>
+          <a:p>
+            <a:pPr marL="0" lvl="0" indent="0" algn="l" rtl="0">
+              <a:spcBef>
+                <a:spcPts val="0"/>
+              </a:spcBef>
+              <a:spcAft>
+                <a:spcPts val="0"/>
+              </a:spcAft>
+              <a:buNone/>
+            </a:pPr>
+            <a:endParaRPr/>
+          </a:p>
+        </p:txBody>
+      </p:sp>
+    </p:spTree>
+  </p:cSld>
+  <p:clrMapOvr>
+    <a:masterClrMapping/>
+  </p:clrMapOvr>
+</p:notes>
+</file>
+
+<file path=ppt/notesSlides/notesSlide7.xml><?xml version="1.0" encoding="utf-8"?>
+<p:notes xmlns:a="http://schemas.openxmlformats.org/drawingml/2006/main" xmlns:r="http://schemas.openxmlformats.org/officeDocument/2006/relationships" xmlns:p="http://schemas.openxmlformats.org/presentationml/2006/main" showMasterSp="0" showMasterPhAnim="0">
+  <p:cSld>
+    <p:spTree>
+      <p:nvGrpSpPr>
+        <p:cNvPr id="1" name="Shape 120"/>
+        <p:cNvGrpSpPr/>
+        <p:nvPr/>
+      </p:nvGrpSpPr>
+      <p:grpSpPr>
+        <a:xfrm>
+          <a:off x="0" y="0"/>
+          <a:ext cx="0" cy="0"/>
+          <a:chOff x="0" y="0"/>
+          <a:chExt cx="0" cy="0"/>
+        </a:xfrm>
+      </p:grpSpPr>
+      <p:sp>
+        <p:nvSpPr>
+          <p:cNvPr id="121" name="Google Shape;121;p:notes"/>
+          <p:cNvSpPr>
+            <a:spLocks noGrp="1" noRot="1" noChangeAspect="1"/>
+          </p:cNvSpPr>
+          <p:nvPr>
+            <p:ph type="sldImg" idx="2"/>
+          </p:nvPr>
+        </p:nvSpPr>
+        <p:spPr>
+          <a:xfrm>
+            <a:off x="381000" y="685800"/>
+            <a:ext cx="6096000" cy="3429000"/>
+          </a:xfrm>
+          <a:custGeom>
+            <a:avLst/>
+            <a:gdLst/>
+            <a:ahLst/>
+            <a:cxnLst/>
+            <a:rect l="l" t="t" r="r" b="b"/>
+            <a:pathLst>
+              <a:path w="120000" h="120000" extrusionOk="0">
+                <a:moveTo>
+                  <a:pt x="0" y="0"/>
+                </a:moveTo>
+                <a:lnTo>
+                  <a:pt x="120000" y="0"/>
+                </a:lnTo>
+                <a:lnTo>
+                  <a:pt x="120000" y="120000"/>
+                </a:lnTo>
+                <a:lnTo>
+                  <a:pt x="0" y="120000"/>
+                </a:lnTo>
+                <a:close/>
+              </a:path>
+            </a:pathLst>
+          </a:custGeom>
+        </p:spPr>
+      </p:sp>
+      <p:sp>
+        <p:nvSpPr>
+          <p:cNvPr id="122" name="Google Shape;122;p:notes"/>
           <p:cNvSpPr txBox="1">
             <a:spLocks noGrp="1"/>
           </p:cNvSpPr>
@@ -11933,878 +11938,6 @@
   <p:cSld>
     <p:spTree>
       <p:nvGrpSpPr>
-        <p:cNvPr id="1" name="Shape 123"/>
-        <p:cNvGrpSpPr/>
-        <p:nvPr/>
-      </p:nvGrpSpPr>
-      <p:grpSpPr>
-        <a:xfrm>
-          <a:off x="0" y="0"/>
-          <a:ext cx="0" cy="0"/>
-          <a:chOff x="0" y="0"/>
-          <a:chExt cx="0" cy="0"/>
-        </a:xfrm>
-      </p:grpSpPr>
-      <p:sp>
-        <p:nvSpPr>
-          <p:cNvPr id="17" name="מלבן 16">
-            <a:extLst>
-              <a:ext uri="{FF2B5EF4-FFF2-40B4-BE49-F238E27FC236}">
-                <a16:creationId xmlns:a16="http://schemas.microsoft.com/office/drawing/2014/main" id="{317F93E9-B6D8-F249-9D46-7FF23817355D}"/>
-              </a:ext>
-            </a:extLst>
-          </p:cNvPr>
-          <p:cNvSpPr/>
-          <p:nvPr/>
-        </p:nvSpPr>
-        <p:spPr>
-          <a:xfrm>
-            <a:off x="2555739" y="1241471"/>
-            <a:ext cx="2146889" cy="432356"/>
-          </a:xfrm>
-          <a:prstGeom prst="rect">
-            <a:avLst/>
-          </a:prstGeom>
-          <a:ln>
-            <a:noFill/>
-          </a:ln>
-        </p:spPr>
-        <p:style>
-          <a:lnRef idx="2">
-            <a:schemeClr val="accent4">
-              <a:shade val="50000"/>
-            </a:schemeClr>
-          </a:lnRef>
-          <a:fillRef idx="1">
-            <a:schemeClr val="accent4"/>
-          </a:fillRef>
-          <a:effectRef idx="0">
-            <a:schemeClr val="accent4"/>
-          </a:effectRef>
-          <a:fontRef idx="minor">
-            <a:schemeClr val="lt1"/>
-          </a:fontRef>
-        </p:style>
-        <p:txBody>
-          <a:bodyPr rtlCol="1" anchor="ctr"/>
-          <a:lstStyle/>
-          <a:p>
-            <a:pPr algn="ctr"/>
-            <a:endParaRPr lang="he-IL"/>
-          </a:p>
-        </p:txBody>
-      </p:sp>
-      <p:sp>
-        <p:nvSpPr>
-          <p:cNvPr id="18" name="אליפסה 17">
-            <a:extLst>
-              <a:ext uri="{FF2B5EF4-FFF2-40B4-BE49-F238E27FC236}">
-                <a16:creationId xmlns:a16="http://schemas.microsoft.com/office/drawing/2014/main" id="{5450BA9A-6414-D1C3-42A1-1F746FCFA001}"/>
-              </a:ext>
-            </a:extLst>
-          </p:cNvPr>
-          <p:cNvSpPr/>
-          <p:nvPr/>
-        </p:nvSpPr>
-        <p:spPr>
-          <a:xfrm>
-            <a:off x="1060308" y="1213478"/>
-            <a:ext cx="605998" cy="615072"/>
-          </a:xfrm>
-          <a:prstGeom prst="ellipse">
-            <a:avLst/>
-          </a:prstGeom>
-          <a:ln>
-            <a:noFill/>
-          </a:ln>
-        </p:spPr>
-        <p:style>
-          <a:lnRef idx="2">
-            <a:schemeClr val="accent4">
-              <a:shade val="50000"/>
-            </a:schemeClr>
-          </a:lnRef>
-          <a:fillRef idx="1">
-            <a:schemeClr val="accent4"/>
-          </a:fillRef>
-          <a:effectRef idx="0">
-            <a:schemeClr val="accent4"/>
-          </a:effectRef>
-          <a:fontRef idx="minor">
-            <a:schemeClr val="lt1"/>
-          </a:fontRef>
-        </p:style>
-        <p:txBody>
-          <a:bodyPr rtlCol="1" anchor="ctr"/>
-          <a:lstStyle/>
-          <a:p>
-            <a:pPr algn="ctr"/>
-            <a:endParaRPr lang="he-IL"/>
-          </a:p>
-        </p:txBody>
-      </p:sp>
-      <p:sp>
-        <p:nvSpPr>
-          <p:cNvPr id="12" name="Google Shape;85;p13">
-            <a:extLst>
-              <a:ext uri="{FF2B5EF4-FFF2-40B4-BE49-F238E27FC236}">
-                <a16:creationId xmlns:a16="http://schemas.microsoft.com/office/drawing/2014/main" id="{C291DC33-E939-18A4-B53F-1C8B94C24D63}"/>
-              </a:ext>
-            </a:extLst>
-          </p:cNvPr>
-          <p:cNvSpPr/>
-          <p:nvPr/>
-        </p:nvSpPr>
-        <p:spPr>
-          <a:xfrm>
-            <a:off x="1" y="6242928"/>
-            <a:ext cx="12192000" cy="615072"/>
-          </a:xfrm>
-          <a:prstGeom prst="rect">
-            <a:avLst/>
-          </a:prstGeom>
-          <a:ln>
-            <a:noFill/>
-          </a:ln>
-        </p:spPr>
-        <p:style>
-          <a:lnRef idx="3">
-            <a:schemeClr val="lt1"/>
-          </a:lnRef>
-          <a:fillRef idx="1">
-            <a:schemeClr val="accent4"/>
-          </a:fillRef>
-          <a:effectRef idx="1">
-            <a:schemeClr val="accent4"/>
-          </a:effectRef>
-          <a:fontRef idx="minor">
-            <a:schemeClr val="lt1"/>
-          </a:fontRef>
-        </p:style>
-        <p:txBody>
-          <a:bodyPr spcFirstLastPara="1" wrap="square" lIns="121900" tIns="121900" rIns="121900" bIns="121900" anchor="ctr" anchorCtr="0">
-            <a:noAutofit/>
-          </a:bodyPr>
-          <a:lstStyle/>
-          <a:p>
-            <a:pPr algn="l" rtl="0"/>
-            <a:endParaRPr sz="2400"/>
-          </a:p>
-        </p:txBody>
-      </p:sp>
-      <p:sp>
-        <p:nvSpPr>
-          <p:cNvPr id="124" name="Google Shape;124;p17"/>
-          <p:cNvSpPr txBox="1">
-            <a:spLocks noGrp="1"/>
-          </p:cNvSpPr>
-          <p:nvPr>
-            <p:ph type="title"/>
-          </p:nvPr>
-        </p:nvSpPr>
-        <p:spPr>
-          <a:xfrm>
-            <a:off x="1841667" y="1194816"/>
-            <a:ext cx="5171200" cy="580800"/>
-          </a:xfrm>
-          <a:prstGeom prst="rect">
-            <a:avLst/>
-          </a:prstGeom>
-        </p:spPr>
-        <p:txBody>
-          <a:bodyPr spcFirstLastPara="1" vert="horz" wrap="square" lIns="121900" tIns="121900" rIns="121900" bIns="121900" rtlCol="1" anchor="ctr" anchorCtr="0">
-            <a:noAutofit/>
-          </a:bodyPr>
-          <a:lstStyle/>
-          <a:p>
-            <a:pPr algn="l"/>
-            <a:r>
-              <a:rPr lang="en" dirty="0"/>
-              <a:t>My Original Plan</a:t>
-            </a:r>
-            <a:endParaRPr dirty="0"/>
-          </a:p>
-        </p:txBody>
-      </p:sp>
-      <p:grpSp>
-        <p:nvGrpSpPr>
-          <p:cNvPr id="126" name="Google Shape;126;p17"/>
-          <p:cNvGrpSpPr/>
-          <p:nvPr/>
-        </p:nvGrpSpPr>
-        <p:grpSpPr>
-          <a:xfrm>
-            <a:off x="1221945" y="1359667"/>
-            <a:ext cx="286167" cy="286167"/>
-            <a:chOff x="2594050" y="1631825"/>
-            <a:chExt cx="439625" cy="439625"/>
-          </a:xfrm>
-        </p:grpSpPr>
-        <p:sp>
-          <p:nvSpPr>
-            <p:cNvPr id="127" name="Google Shape;127;p17"/>
-            <p:cNvSpPr/>
-            <p:nvPr/>
-          </p:nvSpPr>
-          <p:spPr>
-            <a:xfrm>
-              <a:off x="2594050" y="1883300"/>
-              <a:ext cx="188175" cy="188150"/>
-            </a:xfrm>
-            <a:custGeom>
-              <a:avLst/>
-              <a:gdLst/>
-              <a:ahLst/>
-              <a:cxnLst/>
-              <a:rect l="l" t="t" r="r" b="b"/>
-              <a:pathLst>
-                <a:path w="7527" h="7526" fill="none" extrusionOk="0">
-                  <a:moveTo>
-                    <a:pt x="5992" y="0"/>
-                  </a:moveTo>
-                  <a:lnTo>
-                    <a:pt x="537" y="6430"/>
-                  </a:lnTo>
-                  <a:lnTo>
-                    <a:pt x="1" y="7526"/>
-                  </a:lnTo>
-                  <a:lnTo>
-                    <a:pt x="1097" y="6990"/>
-                  </a:lnTo>
-                  <a:lnTo>
-                    <a:pt x="7526" y="1534"/>
-                  </a:lnTo>
-                  <a:lnTo>
-                    <a:pt x="5992" y="0"/>
-                  </a:lnTo>
-                  <a:close/>
-                </a:path>
-              </a:pathLst>
-            </a:custGeom>
-            <a:noFill/>
-            <a:ln w="9525" cap="rnd" cmpd="sng">
-              <a:solidFill>
-                <a:srgbClr val="000000"/>
-              </a:solidFill>
-              <a:prstDash val="solid"/>
-              <a:round/>
-              <a:headEnd type="none" w="sm" len="sm"/>
-              <a:tailEnd type="none" w="sm" len="sm"/>
-            </a:ln>
-          </p:spPr>
-          <p:txBody>
-            <a:bodyPr spcFirstLastPara="1" wrap="square" lIns="121900" tIns="121900" rIns="121900" bIns="121900" anchor="ctr" anchorCtr="0">
-              <a:noAutofit/>
-            </a:bodyPr>
-            <a:lstStyle/>
-            <a:p>
-              <a:pPr algn="l" rtl="0"/>
-              <a:endParaRPr sz="2400"/>
-            </a:p>
-          </p:txBody>
-        </p:sp>
-        <p:sp>
-          <p:nvSpPr>
-            <p:cNvPr id="128" name="Google Shape;128;p17"/>
-            <p:cNvSpPr/>
-            <p:nvPr/>
-          </p:nvSpPr>
-          <p:spPr>
-            <a:xfrm>
-              <a:off x="2857700" y="1631825"/>
-              <a:ext cx="175975" cy="176000"/>
-            </a:xfrm>
-            <a:custGeom>
-              <a:avLst/>
-              <a:gdLst/>
-              <a:ahLst/>
-              <a:cxnLst/>
-              <a:rect l="l" t="t" r="r" b="b"/>
-              <a:pathLst>
-                <a:path w="7039" h="7040" fill="none" extrusionOk="0">
-                  <a:moveTo>
-                    <a:pt x="268" y="2704"/>
-                  </a:moveTo>
-                  <a:lnTo>
-                    <a:pt x="4336" y="6771"/>
-                  </a:lnTo>
-                  <a:lnTo>
-                    <a:pt x="4336" y="6771"/>
-                  </a:lnTo>
-                  <a:lnTo>
-                    <a:pt x="4336" y="6771"/>
-                  </a:lnTo>
-                  <a:lnTo>
-                    <a:pt x="4652" y="6917"/>
-                  </a:lnTo>
-                  <a:lnTo>
-                    <a:pt x="4993" y="7015"/>
-                  </a:lnTo>
-                  <a:lnTo>
-                    <a:pt x="5310" y="7039"/>
-                  </a:lnTo>
-                  <a:lnTo>
-                    <a:pt x="5651" y="7039"/>
-                  </a:lnTo>
-                  <a:lnTo>
-                    <a:pt x="5992" y="6966"/>
-                  </a:lnTo>
-                  <a:lnTo>
-                    <a:pt x="6308" y="6844"/>
-                  </a:lnTo>
-                  <a:lnTo>
-                    <a:pt x="6454" y="6747"/>
-                  </a:lnTo>
-                  <a:lnTo>
-                    <a:pt x="6601" y="6674"/>
-                  </a:lnTo>
-                  <a:lnTo>
-                    <a:pt x="6747" y="6552"/>
-                  </a:lnTo>
-                  <a:lnTo>
-                    <a:pt x="6893" y="6430"/>
-                  </a:lnTo>
-                  <a:lnTo>
-                    <a:pt x="6893" y="6430"/>
-                  </a:lnTo>
-                  <a:lnTo>
-                    <a:pt x="6942" y="6357"/>
-                  </a:lnTo>
-                  <a:lnTo>
-                    <a:pt x="7015" y="6260"/>
-                  </a:lnTo>
-                  <a:lnTo>
-                    <a:pt x="7039" y="6138"/>
-                  </a:lnTo>
-                  <a:lnTo>
-                    <a:pt x="7039" y="6041"/>
-                  </a:lnTo>
-                  <a:lnTo>
-                    <a:pt x="7039" y="6041"/>
-                  </a:lnTo>
-                  <a:lnTo>
-                    <a:pt x="7039" y="5943"/>
-                  </a:lnTo>
-                  <a:lnTo>
-                    <a:pt x="7015" y="5846"/>
-                  </a:lnTo>
-                  <a:lnTo>
-                    <a:pt x="6942" y="5748"/>
-                  </a:lnTo>
-                  <a:lnTo>
-                    <a:pt x="6893" y="5651"/>
-                  </a:lnTo>
-                  <a:lnTo>
-                    <a:pt x="1389" y="147"/>
-                  </a:lnTo>
-                  <a:lnTo>
-                    <a:pt x="1389" y="147"/>
-                  </a:lnTo>
-                  <a:lnTo>
-                    <a:pt x="1291" y="98"/>
-                  </a:lnTo>
-                  <a:lnTo>
-                    <a:pt x="1194" y="25"/>
-                  </a:lnTo>
-                  <a:lnTo>
-                    <a:pt x="1096" y="0"/>
-                  </a:lnTo>
-                  <a:lnTo>
-                    <a:pt x="999" y="0"/>
-                  </a:lnTo>
-                  <a:lnTo>
-                    <a:pt x="999" y="0"/>
-                  </a:lnTo>
-                  <a:lnTo>
-                    <a:pt x="902" y="0"/>
-                  </a:lnTo>
-                  <a:lnTo>
-                    <a:pt x="780" y="25"/>
-                  </a:lnTo>
-                  <a:lnTo>
-                    <a:pt x="682" y="98"/>
-                  </a:lnTo>
-                  <a:lnTo>
-                    <a:pt x="609" y="147"/>
-                  </a:lnTo>
-                  <a:lnTo>
-                    <a:pt x="609" y="147"/>
-                  </a:lnTo>
-                  <a:lnTo>
-                    <a:pt x="487" y="293"/>
-                  </a:lnTo>
-                  <a:lnTo>
-                    <a:pt x="366" y="439"/>
-                  </a:lnTo>
-                  <a:lnTo>
-                    <a:pt x="293" y="585"/>
-                  </a:lnTo>
-                  <a:lnTo>
-                    <a:pt x="195" y="731"/>
-                  </a:lnTo>
-                  <a:lnTo>
-                    <a:pt x="73" y="1048"/>
-                  </a:lnTo>
-                  <a:lnTo>
-                    <a:pt x="0" y="1389"/>
-                  </a:lnTo>
-                  <a:lnTo>
-                    <a:pt x="0" y="1730"/>
-                  </a:lnTo>
-                  <a:lnTo>
-                    <a:pt x="25" y="2046"/>
-                  </a:lnTo>
-                  <a:lnTo>
-                    <a:pt x="122" y="2387"/>
-                  </a:lnTo>
-                  <a:lnTo>
-                    <a:pt x="268" y="2704"/>
-                  </a:lnTo>
-                  <a:lnTo>
-                    <a:pt x="268" y="2704"/>
-                  </a:lnTo>
-                  <a:close/>
-                </a:path>
-              </a:pathLst>
-            </a:custGeom>
-            <a:noFill/>
-            <a:ln w="9525" cap="rnd" cmpd="sng">
-              <a:solidFill>
-                <a:srgbClr val="000000"/>
-              </a:solidFill>
-              <a:prstDash val="solid"/>
-              <a:round/>
-              <a:headEnd type="none" w="sm" len="sm"/>
-              <a:tailEnd type="none" w="sm" len="sm"/>
-            </a:ln>
-          </p:spPr>
-          <p:txBody>
-            <a:bodyPr spcFirstLastPara="1" wrap="square" lIns="121900" tIns="121900" rIns="121900" bIns="121900" anchor="ctr" anchorCtr="0">
-              <a:noAutofit/>
-            </a:bodyPr>
-            <a:lstStyle/>
-            <a:p>
-              <a:pPr algn="l" rtl="0"/>
-              <a:endParaRPr sz="2400"/>
-            </a:p>
-          </p:txBody>
-        </p:sp>
-        <p:sp>
-          <p:nvSpPr>
-            <p:cNvPr id="129" name="Google Shape;129;p17"/>
-            <p:cNvSpPr/>
-            <p:nvPr/>
-          </p:nvSpPr>
-          <p:spPr>
-            <a:xfrm>
-              <a:off x="2662850" y="1699400"/>
-              <a:ext cx="303250" cy="303250"/>
-            </a:xfrm>
-            <a:custGeom>
-              <a:avLst/>
-              <a:gdLst/>
-              <a:ahLst/>
-              <a:cxnLst/>
-              <a:rect l="l" t="t" r="r" b="b"/>
-              <a:pathLst>
-                <a:path w="12130" h="12130" fill="none" extrusionOk="0">
-                  <a:moveTo>
-                    <a:pt x="8038" y="1"/>
-                  </a:moveTo>
-                  <a:lnTo>
-                    <a:pt x="4872" y="3191"/>
-                  </a:lnTo>
-                  <a:lnTo>
-                    <a:pt x="4872" y="3191"/>
-                  </a:lnTo>
-                  <a:lnTo>
-                    <a:pt x="4628" y="3094"/>
-                  </a:lnTo>
-                  <a:lnTo>
-                    <a:pt x="4385" y="2997"/>
-                  </a:lnTo>
-                  <a:lnTo>
-                    <a:pt x="4092" y="2899"/>
-                  </a:lnTo>
-                  <a:lnTo>
-                    <a:pt x="3800" y="2850"/>
-                  </a:lnTo>
-                  <a:lnTo>
-                    <a:pt x="3484" y="2777"/>
-                  </a:lnTo>
-                  <a:lnTo>
-                    <a:pt x="3167" y="2729"/>
-                  </a:lnTo>
-                  <a:lnTo>
-                    <a:pt x="2850" y="2704"/>
-                  </a:lnTo>
-                  <a:lnTo>
-                    <a:pt x="2534" y="2704"/>
-                  </a:lnTo>
-                  <a:lnTo>
-                    <a:pt x="2534" y="2704"/>
-                  </a:lnTo>
-                  <a:lnTo>
-                    <a:pt x="2241" y="2704"/>
-                  </a:lnTo>
-                  <a:lnTo>
-                    <a:pt x="1949" y="2729"/>
-                  </a:lnTo>
-                  <a:lnTo>
-                    <a:pt x="1633" y="2777"/>
-                  </a:lnTo>
-                  <a:lnTo>
-                    <a:pt x="1316" y="2850"/>
-                  </a:lnTo>
-                  <a:lnTo>
-                    <a:pt x="999" y="2972"/>
-                  </a:lnTo>
-                  <a:lnTo>
-                    <a:pt x="707" y="3094"/>
-                  </a:lnTo>
-                  <a:lnTo>
-                    <a:pt x="415" y="3289"/>
-                  </a:lnTo>
-                  <a:lnTo>
-                    <a:pt x="147" y="3508"/>
-                  </a:lnTo>
-                  <a:lnTo>
-                    <a:pt x="147" y="3508"/>
-                  </a:lnTo>
-                  <a:lnTo>
-                    <a:pt x="74" y="3581"/>
-                  </a:lnTo>
-                  <a:lnTo>
-                    <a:pt x="25" y="3678"/>
-                  </a:lnTo>
-                  <a:lnTo>
-                    <a:pt x="1" y="3776"/>
-                  </a:lnTo>
-                  <a:lnTo>
-                    <a:pt x="1" y="3898"/>
-                  </a:lnTo>
-                  <a:lnTo>
-                    <a:pt x="1" y="3898"/>
-                  </a:lnTo>
-                  <a:lnTo>
-                    <a:pt x="1" y="3995"/>
-                  </a:lnTo>
-                  <a:lnTo>
-                    <a:pt x="25" y="4093"/>
-                  </a:lnTo>
-                  <a:lnTo>
-                    <a:pt x="74" y="4190"/>
-                  </a:lnTo>
-                  <a:lnTo>
-                    <a:pt x="147" y="4287"/>
-                  </a:lnTo>
-                  <a:lnTo>
-                    <a:pt x="7843" y="11984"/>
-                  </a:lnTo>
-                  <a:lnTo>
-                    <a:pt x="7843" y="11984"/>
-                  </a:lnTo>
-                  <a:lnTo>
-                    <a:pt x="7941" y="12057"/>
-                  </a:lnTo>
-                  <a:lnTo>
-                    <a:pt x="8038" y="12105"/>
-                  </a:lnTo>
-                  <a:lnTo>
-                    <a:pt x="8135" y="12130"/>
-                  </a:lnTo>
-                  <a:lnTo>
-                    <a:pt x="8233" y="12130"/>
-                  </a:lnTo>
-                  <a:lnTo>
-                    <a:pt x="8233" y="12130"/>
-                  </a:lnTo>
-                  <a:lnTo>
-                    <a:pt x="8355" y="12130"/>
-                  </a:lnTo>
-                  <a:lnTo>
-                    <a:pt x="8452" y="12105"/>
-                  </a:lnTo>
-                  <a:lnTo>
-                    <a:pt x="8549" y="12057"/>
-                  </a:lnTo>
-                  <a:lnTo>
-                    <a:pt x="8622" y="11984"/>
-                  </a:lnTo>
-                  <a:lnTo>
-                    <a:pt x="8622" y="11984"/>
-                  </a:lnTo>
-                  <a:lnTo>
-                    <a:pt x="8842" y="11716"/>
-                  </a:lnTo>
-                  <a:lnTo>
-                    <a:pt x="9036" y="11423"/>
-                  </a:lnTo>
-                  <a:lnTo>
-                    <a:pt x="9158" y="11131"/>
-                  </a:lnTo>
-                  <a:lnTo>
-                    <a:pt x="9280" y="10814"/>
-                  </a:lnTo>
-                  <a:lnTo>
-                    <a:pt x="9353" y="10498"/>
-                  </a:lnTo>
-                  <a:lnTo>
-                    <a:pt x="9402" y="10181"/>
-                  </a:lnTo>
-                  <a:lnTo>
-                    <a:pt x="9426" y="9889"/>
-                  </a:lnTo>
-                  <a:lnTo>
-                    <a:pt x="9426" y="9597"/>
-                  </a:lnTo>
-                  <a:lnTo>
-                    <a:pt x="9426" y="9597"/>
-                  </a:lnTo>
-                  <a:lnTo>
-                    <a:pt x="9426" y="9280"/>
-                  </a:lnTo>
-                  <a:lnTo>
-                    <a:pt x="9402" y="8964"/>
-                  </a:lnTo>
-                  <a:lnTo>
-                    <a:pt x="9353" y="8647"/>
-                  </a:lnTo>
-                  <a:lnTo>
-                    <a:pt x="9280" y="8330"/>
-                  </a:lnTo>
-                  <a:lnTo>
-                    <a:pt x="9231" y="8038"/>
-                  </a:lnTo>
-                  <a:lnTo>
-                    <a:pt x="9134" y="7746"/>
-                  </a:lnTo>
-                  <a:lnTo>
-                    <a:pt x="9036" y="7502"/>
-                  </a:lnTo>
-                  <a:lnTo>
-                    <a:pt x="8939" y="7259"/>
-                  </a:lnTo>
-                  <a:lnTo>
-                    <a:pt x="12130" y="4093"/>
-                  </a:lnTo>
-                </a:path>
-              </a:pathLst>
-            </a:custGeom>
-            <a:noFill/>
-            <a:ln w="9525" cap="rnd" cmpd="sng">
-              <a:solidFill>
-                <a:srgbClr val="000000"/>
-              </a:solidFill>
-              <a:prstDash val="solid"/>
-              <a:round/>
-              <a:headEnd type="none" w="sm" len="sm"/>
-              <a:tailEnd type="none" w="sm" len="sm"/>
-            </a:ln>
-          </p:spPr>
-          <p:txBody>
-            <a:bodyPr spcFirstLastPara="1" wrap="square" lIns="121900" tIns="121900" rIns="121900" bIns="121900" anchor="ctr" anchorCtr="0">
-              <a:noAutofit/>
-            </a:bodyPr>
-            <a:lstStyle/>
-            <a:p>
-              <a:pPr algn="l" rtl="0"/>
-              <a:endParaRPr sz="2400"/>
-            </a:p>
-          </p:txBody>
-        </p:sp>
-        <p:sp>
-          <p:nvSpPr>
-            <p:cNvPr id="130" name="Google Shape;130;p17"/>
-            <p:cNvSpPr/>
-            <p:nvPr/>
-          </p:nvSpPr>
-          <p:spPr>
-            <a:xfrm>
-              <a:off x="2814912" y="1754062"/>
-              <a:ext cx="49950" cy="49950"/>
-            </a:xfrm>
-            <a:custGeom>
-              <a:avLst/>
-              <a:gdLst/>
-              <a:ahLst/>
-              <a:cxnLst/>
-              <a:rect l="l" t="t" r="r" b="b"/>
-              <a:pathLst>
-                <a:path w="1998" h="1998" fill="none" extrusionOk="0">
-                  <a:moveTo>
-                    <a:pt x="1" y="1997"/>
-                  </a:moveTo>
-                  <a:lnTo>
-                    <a:pt x="1998" y="0"/>
-                  </a:lnTo>
-                </a:path>
-              </a:pathLst>
-            </a:custGeom>
-            <a:noFill/>
-            <a:ln w="9525" cap="rnd" cmpd="sng">
-              <a:solidFill>
-                <a:srgbClr val="000000"/>
-              </a:solidFill>
-              <a:prstDash val="solid"/>
-              <a:round/>
-              <a:headEnd type="none" w="sm" len="sm"/>
-              <a:tailEnd type="none" w="sm" len="sm"/>
-            </a:ln>
-          </p:spPr>
-          <p:txBody>
-            <a:bodyPr spcFirstLastPara="1" wrap="square" lIns="121900" tIns="121900" rIns="121900" bIns="121900" anchor="ctr" anchorCtr="0">
-              <a:noAutofit/>
-            </a:bodyPr>
-            <a:lstStyle/>
-            <a:p>
-              <a:pPr algn="l" rtl="0"/>
-              <a:endParaRPr sz="2400"/>
-            </a:p>
-          </p:txBody>
-        </p:sp>
-      </p:grpSp>
-      <p:sp>
-        <p:nvSpPr>
-          <p:cNvPr id="131" name="Google Shape;131;p17"/>
-          <p:cNvSpPr txBox="1">
-            <a:spLocks noGrp="1"/>
-          </p:cNvSpPr>
-          <p:nvPr>
-            <p:ph type="sldNum" idx="12"/>
-          </p:nvPr>
-        </p:nvSpPr>
-        <p:spPr>
-          <a:xfrm>
-            <a:off x="11390969" y="6333135"/>
-            <a:ext cx="731600" cy="524800"/>
-          </a:xfrm>
-          <a:prstGeom prst="rect">
-            <a:avLst/>
-          </a:prstGeom>
-        </p:spPr>
-        <p:txBody>
-          <a:bodyPr spcFirstLastPara="1" vert="horz" wrap="square" lIns="121900" tIns="121900" rIns="121900" bIns="121900" rtlCol="1" anchor="t" anchorCtr="0">
-            <a:noAutofit/>
-          </a:bodyPr>
-          <a:lstStyle/>
-          <a:p>
-            <a:pPr algn="r" rtl="0"/>
-            <a:fld id="{00000000-1234-1234-1234-123412341234}" type="slidenum">
-              <a:rPr lang="en"/>
-              <a:pPr algn="r" rtl="0"/>
-              <a:t>5</a:t>
-            </a:fld>
-            <a:endParaRPr/>
-          </a:p>
-        </p:txBody>
-      </p:sp>
-      <p:sp>
-        <p:nvSpPr>
-          <p:cNvPr id="13" name="תיבת טקסט 12">
-            <a:extLst>
-              <a:ext uri="{FF2B5EF4-FFF2-40B4-BE49-F238E27FC236}">
-                <a16:creationId xmlns:a16="http://schemas.microsoft.com/office/drawing/2014/main" id="{BC254D85-1778-3C3A-553E-F2490C06D1CD}"/>
-              </a:ext>
-            </a:extLst>
-          </p:cNvPr>
-          <p:cNvSpPr txBox="1"/>
-          <p:nvPr/>
-        </p:nvSpPr>
-        <p:spPr>
-          <a:xfrm>
-            <a:off x="6332502" y="6347618"/>
-            <a:ext cx="5277268" cy="338554"/>
-          </a:xfrm>
-          <a:prstGeom prst="rect">
-            <a:avLst/>
-          </a:prstGeom>
-          <a:noFill/>
-        </p:spPr>
-        <p:txBody>
-          <a:bodyPr wrap="square" rtlCol="1">
-            <a:spAutoFit/>
-          </a:bodyPr>
-          <a:lstStyle/>
-          <a:p>
-            <a:pPr algn="r" rtl="1"/>
-            <a:r>
-              <a:rPr lang="en-US" sz="1600" dirty="0"/>
-              <a:t>Ofer Tauber | </a:t>
-            </a:r>
-            <a:r>
-              <a:rPr lang="en-US" sz="1600" dirty="0" err="1">
-                <a:latin typeface="-apple-system"/>
-              </a:rPr>
-              <a:t>FullStack</a:t>
-            </a:r>
-            <a:r>
-              <a:rPr lang="en-US" sz="1600" dirty="0">
-                <a:latin typeface="-apple-system"/>
-              </a:rPr>
-              <a:t> Developer</a:t>
-            </a:r>
-            <a:endParaRPr lang="he-IL" sz="1600" dirty="0"/>
-          </a:p>
-        </p:txBody>
-      </p:sp>
-      <p:pic>
-        <p:nvPicPr>
-          <p:cNvPr id="5" name="תמונה 4">
-            <a:extLst>
-              <a:ext uri="{FF2B5EF4-FFF2-40B4-BE49-F238E27FC236}">
-                <a16:creationId xmlns:a16="http://schemas.microsoft.com/office/drawing/2014/main" id="{B28A3B6A-B3C8-D5F2-2035-13BC374CDE2B}"/>
-              </a:ext>
-            </a:extLst>
-          </p:cNvPr>
-          <p:cNvPicPr>
-            <a:picLocks noChangeAspect="1"/>
-          </p:cNvPicPr>
-          <p:nvPr/>
-        </p:nvPicPr>
-        <p:blipFill>
-          <a:blip r:embed="rId3"/>
-          <a:stretch>
-            <a:fillRect/>
-          </a:stretch>
-        </p:blipFill>
-        <p:spPr>
-          <a:xfrm>
-            <a:off x="2301528" y="2146328"/>
-            <a:ext cx="6925600" cy="3516856"/>
-          </a:xfrm>
-          <a:prstGeom prst="rect">
-            <a:avLst/>
-          </a:prstGeom>
-          <a:ln w="38100" cap="sq">
-            <a:solidFill>
-              <a:srgbClr val="000000"/>
-            </a:solidFill>
-            <a:prstDash val="solid"/>
-            <a:miter lim="800000"/>
-          </a:ln>
-          <a:effectLst>
-            <a:outerShdw blurRad="50800" dist="38100" dir="2700000" algn="tl" rotWithShape="0">
-              <a:srgbClr val="000000">
-                <a:alpha val="43000"/>
-              </a:srgbClr>
-            </a:outerShdw>
-          </a:effectLst>
-        </p:spPr>
-      </p:pic>
-    </p:spTree>
-  </p:cSld>
-  <p:clrMapOvr>
-    <a:masterClrMapping/>
-  </p:clrMapOvr>
-</p:sld>
-</file>
-
-<file path=ppt/slides/slide6.xml><?xml version="1.0" encoding="utf-8"?>
-<p:sld xmlns:a="http://schemas.openxmlformats.org/drawingml/2006/main" xmlns:r="http://schemas.openxmlformats.org/officeDocument/2006/relationships" xmlns:p="http://schemas.openxmlformats.org/presentationml/2006/main">
-  <p:cSld>
-    <p:spTree>
-      <p:nvGrpSpPr>
         <p:cNvPr id="1" name="Shape 169"/>
         <p:cNvGrpSpPr/>
         <p:nvPr/>
@@ -13752,7 +12885,7 @@
             <a:fld id="{00000000-1234-1234-1234-123412341234}" type="slidenum">
               <a:rPr lang="en"/>
               <a:pPr algn="r" rtl="0"/>
-              <a:t>6</a:t>
+              <a:t>5</a:t>
             </a:fld>
             <a:endParaRPr/>
           </a:p>
@@ -14630,7 +13763,7 @@
             <a:fld id="{00000000-1234-1234-1234-123412341234}" type="slidenum">
               <a:rPr lang="en" smtClean="0"/>
               <a:pPr algn="r" rtl="0"/>
-              <a:t>6</a:t>
+              <a:t>5</a:t>
             </a:fld>
             <a:endParaRPr lang="en"/>
           </a:p>
@@ -14917,7 +14050,7 @@
 </p:sld>
 </file>
 
-<file path=ppt/slides/slide7.xml><?xml version="1.0" encoding="utf-8"?>
+<file path=ppt/slides/slide6.xml><?xml version="1.0" encoding="utf-8"?>
 <p:sld xmlns:a="http://schemas.openxmlformats.org/drawingml/2006/main" xmlns:r="http://schemas.openxmlformats.org/officeDocument/2006/relationships" xmlns:p="http://schemas.openxmlformats.org/presentationml/2006/main">
   <p:cSld>
     <p:spTree>
@@ -15887,7 +15020,7 @@
             <a:fld id="{00000000-1234-1234-1234-123412341234}" type="slidenum">
               <a:rPr lang="en"/>
               <a:pPr algn="r" rtl="0"/>
-              <a:t>7</a:t>
+              <a:t>6</a:t>
             </a:fld>
             <a:endParaRPr/>
           </a:p>
@@ -16080,7 +15213,7 @@
             <a:fld id="{00000000-1234-1234-1234-123412341234}" type="slidenum">
               <a:rPr lang="en" smtClean="0"/>
               <a:pPr algn="r" rtl="0"/>
-              <a:t>7</a:t>
+              <a:t>6</a:t>
             </a:fld>
             <a:endParaRPr lang="en"/>
           </a:p>
@@ -16135,6 +15268,878 @@
           </a:p>
         </p:txBody>
       </p:sp>
+    </p:spTree>
+  </p:cSld>
+  <p:clrMapOvr>
+    <a:masterClrMapping/>
+  </p:clrMapOvr>
+</p:sld>
+</file>
+
+<file path=ppt/slides/slide7.xml><?xml version="1.0" encoding="utf-8"?>
+<p:sld xmlns:a="http://schemas.openxmlformats.org/drawingml/2006/main" xmlns:r="http://schemas.openxmlformats.org/officeDocument/2006/relationships" xmlns:p="http://schemas.openxmlformats.org/presentationml/2006/main">
+  <p:cSld>
+    <p:spTree>
+      <p:nvGrpSpPr>
+        <p:cNvPr id="1" name="Shape 123"/>
+        <p:cNvGrpSpPr/>
+        <p:nvPr/>
+      </p:nvGrpSpPr>
+      <p:grpSpPr>
+        <a:xfrm>
+          <a:off x="0" y="0"/>
+          <a:ext cx="0" cy="0"/>
+          <a:chOff x="0" y="0"/>
+          <a:chExt cx="0" cy="0"/>
+        </a:xfrm>
+      </p:grpSpPr>
+      <p:sp>
+        <p:nvSpPr>
+          <p:cNvPr id="17" name="מלבן 16">
+            <a:extLst>
+              <a:ext uri="{FF2B5EF4-FFF2-40B4-BE49-F238E27FC236}">
+                <a16:creationId xmlns:a16="http://schemas.microsoft.com/office/drawing/2014/main" id="{317F93E9-B6D8-F249-9D46-7FF23817355D}"/>
+              </a:ext>
+            </a:extLst>
+          </p:cNvPr>
+          <p:cNvSpPr/>
+          <p:nvPr/>
+        </p:nvSpPr>
+        <p:spPr>
+          <a:xfrm>
+            <a:off x="2555739" y="1241471"/>
+            <a:ext cx="2146889" cy="432356"/>
+          </a:xfrm>
+          <a:prstGeom prst="rect">
+            <a:avLst/>
+          </a:prstGeom>
+          <a:ln>
+            <a:noFill/>
+          </a:ln>
+        </p:spPr>
+        <p:style>
+          <a:lnRef idx="2">
+            <a:schemeClr val="accent4">
+              <a:shade val="50000"/>
+            </a:schemeClr>
+          </a:lnRef>
+          <a:fillRef idx="1">
+            <a:schemeClr val="accent4"/>
+          </a:fillRef>
+          <a:effectRef idx="0">
+            <a:schemeClr val="accent4"/>
+          </a:effectRef>
+          <a:fontRef idx="minor">
+            <a:schemeClr val="lt1"/>
+          </a:fontRef>
+        </p:style>
+        <p:txBody>
+          <a:bodyPr rtlCol="1" anchor="ctr"/>
+          <a:lstStyle/>
+          <a:p>
+            <a:pPr algn="ctr"/>
+            <a:endParaRPr lang="he-IL"/>
+          </a:p>
+        </p:txBody>
+      </p:sp>
+      <p:sp>
+        <p:nvSpPr>
+          <p:cNvPr id="18" name="אליפסה 17">
+            <a:extLst>
+              <a:ext uri="{FF2B5EF4-FFF2-40B4-BE49-F238E27FC236}">
+                <a16:creationId xmlns:a16="http://schemas.microsoft.com/office/drawing/2014/main" id="{5450BA9A-6414-D1C3-42A1-1F746FCFA001}"/>
+              </a:ext>
+            </a:extLst>
+          </p:cNvPr>
+          <p:cNvSpPr/>
+          <p:nvPr/>
+        </p:nvSpPr>
+        <p:spPr>
+          <a:xfrm>
+            <a:off x="1060308" y="1213478"/>
+            <a:ext cx="605998" cy="615072"/>
+          </a:xfrm>
+          <a:prstGeom prst="ellipse">
+            <a:avLst/>
+          </a:prstGeom>
+          <a:ln>
+            <a:noFill/>
+          </a:ln>
+        </p:spPr>
+        <p:style>
+          <a:lnRef idx="2">
+            <a:schemeClr val="accent4">
+              <a:shade val="50000"/>
+            </a:schemeClr>
+          </a:lnRef>
+          <a:fillRef idx="1">
+            <a:schemeClr val="accent4"/>
+          </a:fillRef>
+          <a:effectRef idx="0">
+            <a:schemeClr val="accent4"/>
+          </a:effectRef>
+          <a:fontRef idx="minor">
+            <a:schemeClr val="lt1"/>
+          </a:fontRef>
+        </p:style>
+        <p:txBody>
+          <a:bodyPr rtlCol="1" anchor="ctr"/>
+          <a:lstStyle/>
+          <a:p>
+            <a:pPr algn="ctr"/>
+            <a:endParaRPr lang="he-IL"/>
+          </a:p>
+        </p:txBody>
+      </p:sp>
+      <p:sp>
+        <p:nvSpPr>
+          <p:cNvPr id="12" name="Google Shape;85;p13">
+            <a:extLst>
+              <a:ext uri="{FF2B5EF4-FFF2-40B4-BE49-F238E27FC236}">
+                <a16:creationId xmlns:a16="http://schemas.microsoft.com/office/drawing/2014/main" id="{C291DC33-E939-18A4-B53F-1C8B94C24D63}"/>
+              </a:ext>
+            </a:extLst>
+          </p:cNvPr>
+          <p:cNvSpPr/>
+          <p:nvPr/>
+        </p:nvSpPr>
+        <p:spPr>
+          <a:xfrm>
+            <a:off x="1" y="6242928"/>
+            <a:ext cx="12192000" cy="615072"/>
+          </a:xfrm>
+          <a:prstGeom prst="rect">
+            <a:avLst/>
+          </a:prstGeom>
+          <a:ln>
+            <a:noFill/>
+          </a:ln>
+        </p:spPr>
+        <p:style>
+          <a:lnRef idx="3">
+            <a:schemeClr val="lt1"/>
+          </a:lnRef>
+          <a:fillRef idx="1">
+            <a:schemeClr val="accent4"/>
+          </a:fillRef>
+          <a:effectRef idx="1">
+            <a:schemeClr val="accent4"/>
+          </a:effectRef>
+          <a:fontRef idx="minor">
+            <a:schemeClr val="lt1"/>
+          </a:fontRef>
+        </p:style>
+        <p:txBody>
+          <a:bodyPr spcFirstLastPara="1" wrap="square" lIns="121900" tIns="121900" rIns="121900" bIns="121900" anchor="ctr" anchorCtr="0">
+            <a:noAutofit/>
+          </a:bodyPr>
+          <a:lstStyle/>
+          <a:p>
+            <a:pPr algn="l" rtl="0"/>
+            <a:endParaRPr sz="2400"/>
+          </a:p>
+        </p:txBody>
+      </p:sp>
+      <p:sp>
+        <p:nvSpPr>
+          <p:cNvPr id="124" name="Google Shape;124;p17"/>
+          <p:cNvSpPr txBox="1">
+            <a:spLocks noGrp="1"/>
+          </p:cNvSpPr>
+          <p:nvPr>
+            <p:ph type="title"/>
+          </p:nvPr>
+        </p:nvSpPr>
+        <p:spPr>
+          <a:xfrm>
+            <a:off x="1841667" y="1194816"/>
+            <a:ext cx="5171200" cy="580800"/>
+          </a:xfrm>
+          <a:prstGeom prst="rect">
+            <a:avLst/>
+          </a:prstGeom>
+        </p:spPr>
+        <p:txBody>
+          <a:bodyPr spcFirstLastPara="1" vert="horz" wrap="square" lIns="121900" tIns="121900" rIns="121900" bIns="121900" rtlCol="1" anchor="ctr" anchorCtr="0">
+            <a:noAutofit/>
+          </a:bodyPr>
+          <a:lstStyle/>
+          <a:p>
+            <a:pPr algn="l"/>
+            <a:r>
+              <a:rPr lang="en" dirty="0"/>
+              <a:t>My Original Plan</a:t>
+            </a:r>
+            <a:endParaRPr dirty="0"/>
+          </a:p>
+        </p:txBody>
+      </p:sp>
+      <p:grpSp>
+        <p:nvGrpSpPr>
+          <p:cNvPr id="126" name="Google Shape;126;p17"/>
+          <p:cNvGrpSpPr/>
+          <p:nvPr/>
+        </p:nvGrpSpPr>
+        <p:grpSpPr>
+          <a:xfrm>
+            <a:off x="1221945" y="1359667"/>
+            <a:ext cx="286167" cy="286167"/>
+            <a:chOff x="2594050" y="1631825"/>
+            <a:chExt cx="439625" cy="439625"/>
+          </a:xfrm>
+        </p:grpSpPr>
+        <p:sp>
+          <p:nvSpPr>
+            <p:cNvPr id="127" name="Google Shape;127;p17"/>
+            <p:cNvSpPr/>
+            <p:nvPr/>
+          </p:nvSpPr>
+          <p:spPr>
+            <a:xfrm>
+              <a:off x="2594050" y="1883300"/>
+              <a:ext cx="188175" cy="188150"/>
+            </a:xfrm>
+            <a:custGeom>
+              <a:avLst/>
+              <a:gdLst/>
+              <a:ahLst/>
+              <a:cxnLst/>
+              <a:rect l="l" t="t" r="r" b="b"/>
+              <a:pathLst>
+                <a:path w="7527" h="7526" fill="none" extrusionOk="0">
+                  <a:moveTo>
+                    <a:pt x="5992" y="0"/>
+                  </a:moveTo>
+                  <a:lnTo>
+                    <a:pt x="537" y="6430"/>
+                  </a:lnTo>
+                  <a:lnTo>
+                    <a:pt x="1" y="7526"/>
+                  </a:lnTo>
+                  <a:lnTo>
+                    <a:pt x="1097" y="6990"/>
+                  </a:lnTo>
+                  <a:lnTo>
+                    <a:pt x="7526" y="1534"/>
+                  </a:lnTo>
+                  <a:lnTo>
+                    <a:pt x="5992" y="0"/>
+                  </a:lnTo>
+                  <a:close/>
+                </a:path>
+              </a:pathLst>
+            </a:custGeom>
+            <a:noFill/>
+            <a:ln w="9525" cap="rnd" cmpd="sng">
+              <a:solidFill>
+                <a:srgbClr val="000000"/>
+              </a:solidFill>
+              <a:prstDash val="solid"/>
+              <a:round/>
+              <a:headEnd type="none" w="sm" len="sm"/>
+              <a:tailEnd type="none" w="sm" len="sm"/>
+            </a:ln>
+          </p:spPr>
+          <p:txBody>
+            <a:bodyPr spcFirstLastPara="1" wrap="square" lIns="121900" tIns="121900" rIns="121900" bIns="121900" anchor="ctr" anchorCtr="0">
+              <a:noAutofit/>
+            </a:bodyPr>
+            <a:lstStyle/>
+            <a:p>
+              <a:pPr algn="l" rtl="0"/>
+              <a:endParaRPr sz="2400"/>
+            </a:p>
+          </p:txBody>
+        </p:sp>
+        <p:sp>
+          <p:nvSpPr>
+            <p:cNvPr id="128" name="Google Shape;128;p17"/>
+            <p:cNvSpPr/>
+            <p:nvPr/>
+          </p:nvSpPr>
+          <p:spPr>
+            <a:xfrm>
+              <a:off x="2857700" y="1631825"/>
+              <a:ext cx="175975" cy="176000"/>
+            </a:xfrm>
+            <a:custGeom>
+              <a:avLst/>
+              <a:gdLst/>
+              <a:ahLst/>
+              <a:cxnLst/>
+              <a:rect l="l" t="t" r="r" b="b"/>
+              <a:pathLst>
+                <a:path w="7039" h="7040" fill="none" extrusionOk="0">
+                  <a:moveTo>
+                    <a:pt x="268" y="2704"/>
+                  </a:moveTo>
+                  <a:lnTo>
+                    <a:pt x="4336" y="6771"/>
+                  </a:lnTo>
+                  <a:lnTo>
+                    <a:pt x="4336" y="6771"/>
+                  </a:lnTo>
+                  <a:lnTo>
+                    <a:pt x="4336" y="6771"/>
+                  </a:lnTo>
+                  <a:lnTo>
+                    <a:pt x="4652" y="6917"/>
+                  </a:lnTo>
+                  <a:lnTo>
+                    <a:pt x="4993" y="7015"/>
+                  </a:lnTo>
+                  <a:lnTo>
+                    <a:pt x="5310" y="7039"/>
+                  </a:lnTo>
+                  <a:lnTo>
+                    <a:pt x="5651" y="7039"/>
+                  </a:lnTo>
+                  <a:lnTo>
+                    <a:pt x="5992" y="6966"/>
+                  </a:lnTo>
+                  <a:lnTo>
+                    <a:pt x="6308" y="6844"/>
+                  </a:lnTo>
+                  <a:lnTo>
+                    <a:pt x="6454" y="6747"/>
+                  </a:lnTo>
+                  <a:lnTo>
+                    <a:pt x="6601" y="6674"/>
+                  </a:lnTo>
+                  <a:lnTo>
+                    <a:pt x="6747" y="6552"/>
+                  </a:lnTo>
+                  <a:lnTo>
+                    <a:pt x="6893" y="6430"/>
+                  </a:lnTo>
+                  <a:lnTo>
+                    <a:pt x="6893" y="6430"/>
+                  </a:lnTo>
+                  <a:lnTo>
+                    <a:pt x="6942" y="6357"/>
+                  </a:lnTo>
+                  <a:lnTo>
+                    <a:pt x="7015" y="6260"/>
+                  </a:lnTo>
+                  <a:lnTo>
+                    <a:pt x="7039" y="6138"/>
+                  </a:lnTo>
+                  <a:lnTo>
+                    <a:pt x="7039" y="6041"/>
+                  </a:lnTo>
+                  <a:lnTo>
+                    <a:pt x="7039" y="6041"/>
+                  </a:lnTo>
+                  <a:lnTo>
+                    <a:pt x="7039" y="5943"/>
+                  </a:lnTo>
+                  <a:lnTo>
+                    <a:pt x="7015" y="5846"/>
+                  </a:lnTo>
+                  <a:lnTo>
+                    <a:pt x="6942" y="5748"/>
+                  </a:lnTo>
+                  <a:lnTo>
+                    <a:pt x="6893" y="5651"/>
+                  </a:lnTo>
+                  <a:lnTo>
+                    <a:pt x="1389" y="147"/>
+                  </a:lnTo>
+                  <a:lnTo>
+                    <a:pt x="1389" y="147"/>
+                  </a:lnTo>
+                  <a:lnTo>
+                    <a:pt x="1291" y="98"/>
+                  </a:lnTo>
+                  <a:lnTo>
+                    <a:pt x="1194" y="25"/>
+                  </a:lnTo>
+                  <a:lnTo>
+                    <a:pt x="1096" y="0"/>
+                  </a:lnTo>
+                  <a:lnTo>
+                    <a:pt x="999" y="0"/>
+                  </a:lnTo>
+                  <a:lnTo>
+                    <a:pt x="999" y="0"/>
+                  </a:lnTo>
+                  <a:lnTo>
+                    <a:pt x="902" y="0"/>
+                  </a:lnTo>
+                  <a:lnTo>
+                    <a:pt x="780" y="25"/>
+                  </a:lnTo>
+                  <a:lnTo>
+                    <a:pt x="682" y="98"/>
+                  </a:lnTo>
+                  <a:lnTo>
+                    <a:pt x="609" y="147"/>
+                  </a:lnTo>
+                  <a:lnTo>
+                    <a:pt x="609" y="147"/>
+                  </a:lnTo>
+                  <a:lnTo>
+                    <a:pt x="487" y="293"/>
+                  </a:lnTo>
+                  <a:lnTo>
+                    <a:pt x="366" y="439"/>
+                  </a:lnTo>
+                  <a:lnTo>
+                    <a:pt x="293" y="585"/>
+                  </a:lnTo>
+                  <a:lnTo>
+                    <a:pt x="195" y="731"/>
+                  </a:lnTo>
+                  <a:lnTo>
+                    <a:pt x="73" y="1048"/>
+                  </a:lnTo>
+                  <a:lnTo>
+                    <a:pt x="0" y="1389"/>
+                  </a:lnTo>
+                  <a:lnTo>
+                    <a:pt x="0" y="1730"/>
+                  </a:lnTo>
+                  <a:lnTo>
+                    <a:pt x="25" y="2046"/>
+                  </a:lnTo>
+                  <a:lnTo>
+                    <a:pt x="122" y="2387"/>
+                  </a:lnTo>
+                  <a:lnTo>
+                    <a:pt x="268" y="2704"/>
+                  </a:lnTo>
+                  <a:lnTo>
+                    <a:pt x="268" y="2704"/>
+                  </a:lnTo>
+                  <a:close/>
+                </a:path>
+              </a:pathLst>
+            </a:custGeom>
+            <a:noFill/>
+            <a:ln w="9525" cap="rnd" cmpd="sng">
+              <a:solidFill>
+                <a:srgbClr val="000000"/>
+              </a:solidFill>
+              <a:prstDash val="solid"/>
+              <a:round/>
+              <a:headEnd type="none" w="sm" len="sm"/>
+              <a:tailEnd type="none" w="sm" len="sm"/>
+            </a:ln>
+          </p:spPr>
+          <p:txBody>
+            <a:bodyPr spcFirstLastPara="1" wrap="square" lIns="121900" tIns="121900" rIns="121900" bIns="121900" anchor="ctr" anchorCtr="0">
+              <a:noAutofit/>
+            </a:bodyPr>
+            <a:lstStyle/>
+            <a:p>
+              <a:pPr algn="l" rtl="0"/>
+              <a:endParaRPr sz="2400"/>
+            </a:p>
+          </p:txBody>
+        </p:sp>
+        <p:sp>
+          <p:nvSpPr>
+            <p:cNvPr id="129" name="Google Shape;129;p17"/>
+            <p:cNvSpPr/>
+            <p:nvPr/>
+          </p:nvSpPr>
+          <p:spPr>
+            <a:xfrm>
+              <a:off x="2662850" y="1699400"/>
+              <a:ext cx="303250" cy="303250"/>
+            </a:xfrm>
+            <a:custGeom>
+              <a:avLst/>
+              <a:gdLst/>
+              <a:ahLst/>
+              <a:cxnLst/>
+              <a:rect l="l" t="t" r="r" b="b"/>
+              <a:pathLst>
+                <a:path w="12130" h="12130" fill="none" extrusionOk="0">
+                  <a:moveTo>
+                    <a:pt x="8038" y="1"/>
+                  </a:moveTo>
+                  <a:lnTo>
+                    <a:pt x="4872" y="3191"/>
+                  </a:lnTo>
+                  <a:lnTo>
+                    <a:pt x="4872" y="3191"/>
+                  </a:lnTo>
+                  <a:lnTo>
+                    <a:pt x="4628" y="3094"/>
+                  </a:lnTo>
+                  <a:lnTo>
+                    <a:pt x="4385" y="2997"/>
+                  </a:lnTo>
+                  <a:lnTo>
+                    <a:pt x="4092" y="2899"/>
+                  </a:lnTo>
+                  <a:lnTo>
+                    <a:pt x="3800" y="2850"/>
+                  </a:lnTo>
+                  <a:lnTo>
+                    <a:pt x="3484" y="2777"/>
+                  </a:lnTo>
+                  <a:lnTo>
+                    <a:pt x="3167" y="2729"/>
+                  </a:lnTo>
+                  <a:lnTo>
+                    <a:pt x="2850" y="2704"/>
+                  </a:lnTo>
+                  <a:lnTo>
+                    <a:pt x="2534" y="2704"/>
+                  </a:lnTo>
+                  <a:lnTo>
+                    <a:pt x="2534" y="2704"/>
+                  </a:lnTo>
+                  <a:lnTo>
+                    <a:pt x="2241" y="2704"/>
+                  </a:lnTo>
+                  <a:lnTo>
+                    <a:pt x="1949" y="2729"/>
+                  </a:lnTo>
+                  <a:lnTo>
+                    <a:pt x="1633" y="2777"/>
+                  </a:lnTo>
+                  <a:lnTo>
+                    <a:pt x="1316" y="2850"/>
+                  </a:lnTo>
+                  <a:lnTo>
+                    <a:pt x="999" y="2972"/>
+                  </a:lnTo>
+                  <a:lnTo>
+                    <a:pt x="707" y="3094"/>
+                  </a:lnTo>
+                  <a:lnTo>
+                    <a:pt x="415" y="3289"/>
+                  </a:lnTo>
+                  <a:lnTo>
+                    <a:pt x="147" y="3508"/>
+                  </a:lnTo>
+                  <a:lnTo>
+                    <a:pt x="147" y="3508"/>
+                  </a:lnTo>
+                  <a:lnTo>
+                    <a:pt x="74" y="3581"/>
+                  </a:lnTo>
+                  <a:lnTo>
+                    <a:pt x="25" y="3678"/>
+                  </a:lnTo>
+                  <a:lnTo>
+                    <a:pt x="1" y="3776"/>
+                  </a:lnTo>
+                  <a:lnTo>
+                    <a:pt x="1" y="3898"/>
+                  </a:lnTo>
+                  <a:lnTo>
+                    <a:pt x="1" y="3898"/>
+                  </a:lnTo>
+                  <a:lnTo>
+                    <a:pt x="1" y="3995"/>
+                  </a:lnTo>
+                  <a:lnTo>
+                    <a:pt x="25" y="4093"/>
+                  </a:lnTo>
+                  <a:lnTo>
+                    <a:pt x="74" y="4190"/>
+                  </a:lnTo>
+                  <a:lnTo>
+                    <a:pt x="147" y="4287"/>
+                  </a:lnTo>
+                  <a:lnTo>
+                    <a:pt x="7843" y="11984"/>
+                  </a:lnTo>
+                  <a:lnTo>
+                    <a:pt x="7843" y="11984"/>
+                  </a:lnTo>
+                  <a:lnTo>
+                    <a:pt x="7941" y="12057"/>
+                  </a:lnTo>
+                  <a:lnTo>
+                    <a:pt x="8038" y="12105"/>
+                  </a:lnTo>
+                  <a:lnTo>
+                    <a:pt x="8135" y="12130"/>
+                  </a:lnTo>
+                  <a:lnTo>
+                    <a:pt x="8233" y="12130"/>
+                  </a:lnTo>
+                  <a:lnTo>
+                    <a:pt x="8233" y="12130"/>
+                  </a:lnTo>
+                  <a:lnTo>
+                    <a:pt x="8355" y="12130"/>
+                  </a:lnTo>
+                  <a:lnTo>
+                    <a:pt x="8452" y="12105"/>
+                  </a:lnTo>
+                  <a:lnTo>
+                    <a:pt x="8549" y="12057"/>
+                  </a:lnTo>
+                  <a:lnTo>
+                    <a:pt x="8622" y="11984"/>
+                  </a:lnTo>
+                  <a:lnTo>
+                    <a:pt x="8622" y="11984"/>
+                  </a:lnTo>
+                  <a:lnTo>
+                    <a:pt x="8842" y="11716"/>
+                  </a:lnTo>
+                  <a:lnTo>
+                    <a:pt x="9036" y="11423"/>
+                  </a:lnTo>
+                  <a:lnTo>
+                    <a:pt x="9158" y="11131"/>
+                  </a:lnTo>
+                  <a:lnTo>
+                    <a:pt x="9280" y="10814"/>
+                  </a:lnTo>
+                  <a:lnTo>
+                    <a:pt x="9353" y="10498"/>
+                  </a:lnTo>
+                  <a:lnTo>
+                    <a:pt x="9402" y="10181"/>
+                  </a:lnTo>
+                  <a:lnTo>
+                    <a:pt x="9426" y="9889"/>
+                  </a:lnTo>
+                  <a:lnTo>
+                    <a:pt x="9426" y="9597"/>
+                  </a:lnTo>
+                  <a:lnTo>
+                    <a:pt x="9426" y="9597"/>
+                  </a:lnTo>
+                  <a:lnTo>
+                    <a:pt x="9426" y="9280"/>
+                  </a:lnTo>
+                  <a:lnTo>
+                    <a:pt x="9402" y="8964"/>
+                  </a:lnTo>
+                  <a:lnTo>
+                    <a:pt x="9353" y="8647"/>
+                  </a:lnTo>
+                  <a:lnTo>
+                    <a:pt x="9280" y="8330"/>
+                  </a:lnTo>
+                  <a:lnTo>
+                    <a:pt x="9231" y="8038"/>
+                  </a:lnTo>
+                  <a:lnTo>
+                    <a:pt x="9134" y="7746"/>
+                  </a:lnTo>
+                  <a:lnTo>
+                    <a:pt x="9036" y="7502"/>
+                  </a:lnTo>
+                  <a:lnTo>
+                    <a:pt x="8939" y="7259"/>
+                  </a:lnTo>
+                  <a:lnTo>
+                    <a:pt x="12130" y="4093"/>
+                  </a:lnTo>
+                </a:path>
+              </a:pathLst>
+            </a:custGeom>
+            <a:noFill/>
+            <a:ln w="9525" cap="rnd" cmpd="sng">
+              <a:solidFill>
+                <a:srgbClr val="000000"/>
+              </a:solidFill>
+              <a:prstDash val="solid"/>
+              <a:round/>
+              <a:headEnd type="none" w="sm" len="sm"/>
+              <a:tailEnd type="none" w="sm" len="sm"/>
+            </a:ln>
+          </p:spPr>
+          <p:txBody>
+            <a:bodyPr spcFirstLastPara="1" wrap="square" lIns="121900" tIns="121900" rIns="121900" bIns="121900" anchor="ctr" anchorCtr="0">
+              <a:noAutofit/>
+            </a:bodyPr>
+            <a:lstStyle/>
+            <a:p>
+              <a:pPr algn="l" rtl="0"/>
+              <a:endParaRPr sz="2400"/>
+            </a:p>
+          </p:txBody>
+        </p:sp>
+        <p:sp>
+          <p:nvSpPr>
+            <p:cNvPr id="130" name="Google Shape;130;p17"/>
+            <p:cNvSpPr/>
+            <p:nvPr/>
+          </p:nvSpPr>
+          <p:spPr>
+            <a:xfrm>
+              <a:off x="2814912" y="1754062"/>
+              <a:ext cx="49950" cy="49950"/>
+            </a:xfrm>
+            <a:custGeom>
+              <a:avLst/>
+              <a:gdLst/>
+              <a:ahLst/>
+              <a:cxnLst/>
+              <a:rect l="l" t="t" r="r" b="b"/>
+              <a:pathLst>
+                <a:path w="1998" h="1998" fill="none" extrusionOk="0">
+                  <a:moveTo>
+                    <a:pt x="1" y="1997"/>
+                  </a:moveTo>
+                  <a:lnTo>
+                    <a:pt x="1998" y="0"/>
+                  </a:lnTo>
+                </a:path>
+              </a:pathLst>
+            </a:custGeom>
+            <a:noFill/>
+            <a:ln w="9525" cap="rnd" cmpd="sng">
+              <a:solidFill>
+                <a:srgbClr val="000000"/>
+              </a:solidFill>
+              <a:prstDash val="solid"/>
+              <a:round/>
+              <a:headEnd type="none" w="sm" len="sm"/>
+              <a:tailEnd type="none" w="sm" len="sm"/>
+            </a:ln>
+          </p:spPr>
+          <p:txBody>
+            <a:bodyPr spcFirstLastPara="1" wrap="square" lIns="121900" tIns="121900" rIns="121900" bIns="121900" anchor="ctr" anchorCtr="0">
+              <a:noAutofit/>
+            </a:bodyPr>
+            <a:lstStyle/>
+            <a:p>
+              <a:pPr algn="l" rtl="0"/>
+              <a:endParaRPr sz="2400"/>
+            </a:p>
+          </p:txBody>
+        </p:sp>
+      </p:grpSp>
+      <p:sp>
+        <p:nvSpPr>
+          <p:cNvPr id="131" name="Google Shape;131;p17"/>
+          <p:cNvSpPr txBox="1">
+            <a:spLocks noGrp="1"/>
+          </p:cNvSpPr>
+          <p:nvPr>
+            <p:ph type="sldNum" idx="12"/>
+          </p:nvPr>
+        </p:nvSpPr>
+        <p:spPr>
+          <a:xfrm>
+            <a:off x="11390969" y="6333135"/>
+            <a:ext cx="731600" cy="524800"/>
+          </a:xfrm>
+          <a:prstGeom prst="rect">
+            <a:avLst/>
+          </a:prstGeom>
+        </p:spPr>
+        <p:txBody>
+          <a:bodyPr spcFirstLastPara="1" vert="horz" wrap="square" lIns="121900" tIns="121900" rIns="121900" bIns="121900" rtlCol="1" anchor="t" anchorCtr="0">
+            <a:noAutofit/>
+          </a:bodyPr>
+          <a:lstStyle/>
+          <a:p>
+            <a:pPr algn="r" rtl="0"/>
+            <a:fld id="{00000000-1234-1234-1234-123412341234}" type="slidenum">
+              <a:rPr lang="en"/>
+              <a:pPr algn="r" rtl="0"/>
+              <a:t>7</a:t>
+            </a:fld>
+            <a:endParaRPr/>
+          </a:p>
+        </p:txBody>
+      </p:sp>
+      <p:sp>
+        <p:nvSpPr>
+          <p:cNvPr id="13" name="תיבת טקסט 12">
+            <a:extLst>
+              <a:ext uri="{FF2B5EF4-FFF2-40B4-BE49-F238E27FC236}">
+                <a16:creationId xmlns:a16="http://schemas.microsoft.com/office/drawing/2014/main" id="{BC254D85-1778-3C3A-553E-F2490C06D1CD}"/>
+              </a:ext>
+            </a:extLst>
+          </p:cNvPr>
+          <p:cNvSpPr txBox="1"/>
+          <p:nvPr/>
+        </p:nvSpPr>
+        <p:spPr>
+          <a:xfrm>
+            <a:off x="6332502" y="6347618"/>
+            <a:ext cx="5277268" cy="338554"/>
+          </a:xfrm>
+          <a:prstGeom prst="rect">
+            <a:avLst/>
+          </a:prstGeom>
+          <a:noFill/>
+        </p:spPr>
+        <p:txBody>
+          <a:bodyPr wrap="square" rtlCol="1">
+            <a:spAutoFit/>
+          </a:bodyPr>
+          <a:lstStyle/>
+          <a:p>
+            <a:pPr algn="r" rtl="1"/>
+            <a:r>
+              <a:rPr lang="en-US" sz="1600" dirty="0"/>
+              <a:t>Ofer Tauber | </a:t>
+            </a:r>
+            <a:r>
+              <a:rPr lang="en-US" sz="1600" dirty="0" err="1">
+                <a:latin typeface="-apple-system"/>
+              </a:rPr>
+              <a:t>FullStack</a:t>
+            </a:r>
+            <a:r>
+              <a:rPr lang="en-US" sz="1600" dirty="0">
+                <a:latin typeface="-apple-system"/>
+              </a:rPr>
+              <a:t> Developer</a:t>
+            </a:r>
+            <a:endParaRPr lang="he-IL" sz="1600" dirty="0"/>
+          </a:p>
+        </p:txBody>
+      </p:sp>
+      <p:pic>
+        <p:nvPicPr>
+          <p:cNvPr id="5" name="תמונה 4">
+            <a:extLst>
+              <a:ext uri="{FF2B5EF4-FFF2-40B4-BE49-F238E27FC236}">
+                <a16:creationId xmlns:a16="http://schemas.microsoft.com/office/drawing/2014/main" id="{B28A3B6A-B3C8-D5F2-2035-13BC374CDE2B}"/>
+              </a:ext>
+            </a:extLst>
+          </p:cNvPr>
+          <p:cNvPicPr>
+            <a:picLocks noChangeAspect="1"/>
+          </p:cNvPicPr>
+          <p:nvPr/>
+        </p:nvPicPr>
+        <p:blipFill>
+          <a:blip r:embed="rId3"/>
+          <a:stretch>
+            <a:fillRect/>
+          </a:stretch>
+        </p:blipFill>
+        <p:spPr>
+          <a:xfrm>
+            <a:off x="2301528" y="2146328"/>
+            <a:ext cx="6925600" cy="3516856"/>
+          </a:xfrm>
+          <a:prstGeom prst="rect">
+            <a:avLst/>
+          </a:prstGeom>
+          <a:ln w="38100" cap="sq">
+            <a:solidFill>
+              <a:srgbClr val="000000"/>
+            </a:solidFill>
+            <a:prstDash val="solid"/>
+            <a:miter lim="800000"/>
+          </a:ln>
+          <a:effectLst>
+            <a:outerShdw blurRad="50800" dist="38100" dir="2700000" algn="tl" rotWithShape="0">
+              <a:srgbClr val="000000">
+                <a:alpha val="43000"/>
+              </a:srgbClr>
+            </a:outerShdw>
+          </a:effectLst>
+        </p:spPr>
+      </p:pic>
     </p:spTree>
   </p:cSld>
   <p:clrMapOvr>
